--- a/cesgranrio/Projeto integrador/Revoluções  Industriais.pptx
+++ b/cesgranrio/Projeto integrador/Revoluções  Industriais.pptx
@@ -113,6 +113,11 @@
       </a:defRPr>
     </a:lvl9pPr>
   </p:defaultTextStyle>
+  <p:extLst>
+    <p:ext uri="{EFAFB233-063F-42B5-8137-9DF3F51BA10A}">
+      <p15:sldGuideLst xmlns:p15="http://schemas.microsoft.com/office/powerpoint/2012/main"/>
+    </p:ext>
+  </p:extLst>
 </p:presentation>
 </file>
 
@@ -333,7 +338,7 @@
           <a:p>
             <a:fld id="{9AB3A824-1A51-4B26-AD58-A6D8E14F6C04}" type="datetimeFigureOut">
               <a:rPr lang="en-US" dirty="0"/>
-              <a:t>9/24/2022</a:t>
+              <a:t>9/25/2022</a:t>
             </a:fld>
             <a:endParaRPr lang="en-US" dirty="0"/>
           </a:p>
@@ -667,7 +672,7 @@
           <a:p>
             <a:fld id="{D857E33E-8B18-4087-B112-809917729534}" type="datetimeFigureOut">
               <a:rPr lang="en-US" dirty="0"/>
-              <a:t>9/24/2022</a:t>
+              <a:t>9/25/2022</a:t>
             </a:fld>
             <a:endParaRPr lang="en-US" dirty="0"/>
           </a:p>
@@ -969,7 +974,7 @@
           <a:p>
             <a:fld id="{D3FFE419-2371-464F-8239-3959401C3561}" type="datetimeFigureOut">
               <a:rPr lang="en-US" dirty="0"/>
-              <a:t>9/24/2022</a:t>
+              <a:t>9/25/2022</a:t>
             </a:fld>
             <a:endParaRPr lang="en-US" dirty="0"/>
           </a:p>
@@ -1216,7 +1221,7 @@
           <a:p>
             <a:fld id="{97D162C4-EDD9-4389-A98B-B87ECEA2A816}" type="datetimeFigureOut">
               <a:rPr lang="en-US" dirty="0"/>
-              <a:t>9/24/2022</a:t>
+              <a:t>9/25/2022</a:t>
             </a:fld>
             <a:endParaRPr lang="en-US" dirty="0"/>
           </a:p>
@@ -1623,7 +1628,7 @@
           <a:p>
             <a:fld id="{3E5059C3-6A89-4494-99FF-5A4D6FFD50EB}" type="datetimeFigureOut">
               <a:rPr lang="en-US" dirty="0"/>
-              <a:t>9/24/2022</a:t>
+              <a:t>9/25/2022</a:t>
             </a:fld>
             <a:endParaRPr lang="en-US" dirty="0"/>
           </a:p>
@@ -1937,7 +1942,7 @@
           <a:p>
             <a:fld id="{CA954B2F-12DE-47F5-8894-472B206D2E1E}" type="datetimeFigureOut">
               <a:rPr lang="en-US" dirty="0"/>
-              <a:t>9/24/2022</a:t>
+              <a:t>9/25/2022</a:t>
             </a:fld>
             <a:endParaRPr lang="en-US" dirty="0"/>
           </a:p>
@@ -2481,7 +2486,7 @@
           <a:p>
             <a:fld id="{3F30E46F-7819-4ACF-B48B-48222C2ACC88}" type="datetimeFigureOut">
               <a:rPr lang="en-US" dirty="0"/>
-              <a:t>9/24/2022</a:t>
+              <a:t>9/25/2022</a:t>
             </a:fld>
             <a:endParaRPr lang="en-US" dirty="0"/>
           </a:p>
@@ -2676,7 +2681,7 @@
           <a:p>
             <a:fld id="{1FAF3416-4057-4DAA-829D-4CA07428D088}" type="datetimeFigureOut">
               <a:rPr lang="en-US" dirty="0"/>
-              <a:t>9/24/2022</a:t>
+              <a:t>9/25/2022</a:t>
             </a:fld>
             <a:endParaRPr lang="en-US" dirty="0"/>
           </a:p>
@@ -2889,7 +2894,7 @@
           <a:p>
             <a:fld id="{921D9284-D300-4297-87F7-E791DCC15DB1}" type="datetimeFigureOut">
               <a:rPr lang="en-US" dirty="0"/>
-              <a:t>9/24/2022</a:t>
+              <a:t>9/25/2022</a:t>
             </a:fld>
             <a:endParaRPr lang="en-US" dirty="0"/>
           </a:p>
@@ -3258,7 +3263,7 @@
           <a:p>
             <a:fld id="{37D525BB-DA17-4BA0-B3C8-3AC3ABC827E6}" type="datetimeFigureOut">
               <a:rPr lang="en-US" dirty="0"/>
-              <a:t>9/24/2022</a:t>
+              <a:t>9/25/2022</a:t>
             </a:fld>
             <a:endParaRPr lang="en-US" dirty="0"/>
           </a:p>
@@ -3661,7 +3666,7 @@
           <a:p>
             <a:fld id="{B16C4C9A-3960-41CF-A4E9-2A8FB932454B}" type="datetimeFigureOut">
               <a:rPr lang="en-US" dirty="0"/>
-              <a:t>9/24/2022</a:t>
+              <a:t>9/25/2022</a:t>
             </a:fld>
             <a:endParaRPr lang="en-US" dirty="0"/>
           </a:p>
@@ -3972,7 +3977,7 @@
           <a:p>
             <a:fld id="{3CBC1C18-307B-4F68-A007-B5B542270E8D}" type="datetimeFigureOut">
               <a:rPr lang="en-US" dirty="0"/>
-              <a:t>9/24/2022</a:t>
+              <a:t>9/25/2022</a:t>
             </a:fld>
             <a:endParaRPr lang="en-US" dirty="0"/>
           </a:p>
@@ -4553,7 +4558,7 @@
         <p:spPr>
           <a:xfrm>
             <a:off x="1643270" y="3843130"/>
-            <a:ext cx="6400800" cy="1477328"/>
+            <a:ext cx="6400800" cy="2031325"/>
           </a:xfrm>
           <a:prstGeom prst="rect">
             <a:avLst/>
@@ -4586,12 +4591,26 @@
           <a:p>
             <a:r>
               <a:rPr lang="pt-BR" dirty="0"/>
-              <a:t>Robson de </a:t>
-            </a:r>
+              <a:t>Robson de Lima Galvão</a:t>
+            </a:r>
+          </a:p>
+          <a:p>
+            <a:r>
+              <a:rPr lang="pt-BR" dirty="0"/>
+              <a:t>Paulo Henrique Teodoro </a:t>
+            </a:r>
+            <a:r>
+              <a:rPr lang="pt-BR" dirty="0" err="1"/>
+              <a:t>Issa</a:t>
+            </a:r>
+            <a:endParaRPr lang="pt-BR" dirty="0"/>
+          </a:p>
+          <a:p>
             <a:r>
               <a:rPr lang="pt-BR"/>
-              <a:t>Lima Galvão</a:t>
-            </a:r>
+              <a:t>Lucas Dutra</a:t>
+            </a:r>
+            <a:endParaRPr lang="pt-BR" dirty="0"/>
           </a:p>
           <a:p>
             <a:endParaRPr lang="pt-BR" dirty="0"/>
@@ -4708,8 +4727,8 @@
         </p:nvSpPr>
         <p:spPr>
           <a:xfrm>
-            <a:off x="1725895" y="4371612"/>
-            <a:ext cx="7958331" cy="596364"/>
+            <a:off x="1152939" y="4160532"/>
+            <a:ext cx="4797287" cy="596364"/>
           </a:xfrm>
           <a:prstGeom prst="rect">
             <a:avLst/>
@@ -4740,7 +4759,7 @@
             </a:lvl1pPr>
           </a:lstStyle>
           <a:p>
-            <a:pPr algn="ctr"/>
+            <a:pPr algn="l"/>
             <a:r>
               <a:rPr lang="pt-BR" sz="2800" dirty="0"/>
               <a:t>Fontes</a:t>
@@ -4762,8 +4781,8 @@
         </p:nvSpPr>
         <p:spPr>
           <a:xfrm>
-            <a:off x="1152939" y="4996285"/>
-            <a:ext cx="9740348" cy="1569660"/>
+            <a:off x="1152939" y="4597870"/>
+            <a:ext cx="9740348" cy="2123658"/>
           </a:xfrm>
           <a:prstGeom prst="rect">
             <a:avLst/>
@@ -4818,6 +4837,33 @@
               </a:rPr>
               <a:t>https://brasilescola.uol.com.br/clube-do-empreendedorismo/5-informacoes-sobre-a-quarta-revolucao-industrial.htm</a:t>
             </a:r>
+            <a:endParaRPr lang="pt-BR" sz="1200" dirty="0"/>
+          </a:p>
+          <a:p>
+            <a:endParaRPr lang="pt-BR" sz="1200" dirty="0"/>
+          </a:p>
+          <a:p>
+            <a:r>
+              <a:rPr lang="pt-PT" sz="1200" u="none" strike="noStrike" dirty="0">
+                <a:solidFill>
+                  <a:srgbClr val="0563C1"/>
+                </a:solidFill>
+                <a:effectLst/>
+                <a:latin typeface="Arial" panose="020B0604020202020204" pitchFamily="34" charset="0"/>
+                <a:ea typeface="Times New Roman" panose="02020603050405020304" pitchFamily="18" charset="0"/>
+                <a:cs typeface="Times New Roman" panose="02020603050405020304" pitchFamily="18" charset="0"/>
+                <a:hlinkClick r:id="rId7"/>
+              </a:rPr>
+              <a:t>https://blog.randon.com.br/o-que-e-industria-4-0/</a:t>
+            </a:r>
+            <a:endParaRPr lang="pt-BR" sz="1200" dirty="0">
+              <a:effectLst/>
+              <a:latin typeface="Calibri" panose="020F0502020204030204" pitchFamily="34" charset="0"/>
+              <a:ea typeface="Times New Roman" panose="02020603050405020304" pitchFamily="18" charset="0"/>
+              <a:cs typeface="Times New Roman" panose="02020603050405020304" pitchFamily="18" charset="0"/>
+            </a:endParaRPr>
+          </a:p>
+          <a:p>
             <a:endParaRPr lang="pt-BR" sz="1200" dirty="0"/>
           </a:p>
           <a:p>
